--- a/Ultrasonic communication POC.pptx
+++ b/Ultrasonic communication POC.pptx
@@ -15,8 +15,7 @@
     <p:sldId id="269" r:id="rId9"/>
     <p:sldId id="268" r:id="rId10"/>
     <p:sldId id="270" r:id="rId11"/>
-    <p:sldId id="271" r:id="rId12"/>
-    <p:sldId id="259" r:id="rId13"/>
+    <p:sldId id="259" r:id="rId12"/>
   </p:sldIdLst>
   <p:sldSz cx="12192000" cy="6858000"/>
   <p:notesSz cx="6858000" cy="9144000"/>
@@ -9549,6 +9548,12 @@
                     </a:schemeClr>
                   </a:solidFill>
                 </a:ln>
+                <a:solidFill>
+                  <a:schemeClr val="accent6">
+                    <a:lumMod val="60000"/>
+                    <a:lumOff val="40000"/>
+                  </a:schemeClr>
+                </a:solidFill>
                 <a:latin typeface="Calibri" panose="020F0502020204030204" pitchFamily="34" charset="0"/>
                 <a:cs typeface="Arial" panose="020B0604020202020204" pitchFamily="34" charset="0"/>
               </a:rPr>
@@ -9567,11 +9572,156 @@
                     </a:schemeClr>
                   </a:solidFill>
                 </a:ln>
+                <a:solidFill>
+                  <a:schemeClr val="accent6">
+                    <a:lumMod val="60000"/>
+                    <a:lumOff val="40000"/>
+                  </a:schemeClr>
+                </a:solidFill>
                 <a:latin typeface="Calibri" panose="020F0502020204030204" pitchFamily="34" charset="0"/>
                 <a:cs typeface="Arial" panose="020B0604020202020204" pitchFamily="34" charset="0"/>
               </a:rPr>
               <a:t>Daniel Hoasov Cohen</a:t>
             </a:r>
+            <a:endParaRPr lang="he-IL" b="1" dirty="0">
+              <a:ln>
+                <a:solidFill>
+                  <a:schemeClr val="bg1">
+                    <a:lumMod val="75000"/>
+                    <a:lumOff val="25000"/>
+                    <a:alpha val="10000"/>
+                  </a:schemeClr>
+                </a:solidFill>
+              </a:ln>
+              <a:solidFill>
+                <a:schemeClr val="accent6">
+                  <a:lumMod val="60000"/>
+                  <a:lumOff val="40000"/>
+                </a:schemeClr>
+              </a:solidFill>
+              <a:latin typeface="Calibri" panose="020F0502020204030204" pitchFamily="34" charset="0"/>
+              <a:cs typeface="Arial" panose="020B0604020202020204" pitchFamily="34" charset="0"/>
+            </a:endParaRPr>
+          </a:p>
+        </p:txBody>
+      </p:sp>
+      <p:sp>
+        <p:nvSpPr>
+          <p:cNvPr id="6" name="תיבת טקסט 5">
+            <a:extLst>
+              <a:ext uri="{FF2B5EF4-FFF2-40B4-BE49-F238E27FC236}">
+                <a16:creationId xmlns:a16="http://schemas.microsoft.com/office/drawing/2014/main" id="{37D691AD-6828-40F4-B0E8-0545734C2E23}"/>
+              </a:ext>
+            </a:extLst>
+          </p:cNvPr>
+          <p:cNvSpPr txBox="1"/>
+          <p:nvPr/>
+        </p:nvSpPr>
+        <p:spPr>
+          <a:xfrm>
+            <a:off x="5504045" y="6211669"/>
+            <a:ext cx="6620577" cy="861774"/>
+          </a:xfrm>
+          <a:prstGeom prst="rect">
+            <a:avLst/>
+          </a:prstGeom>
+          <a:noFill/>
+        </p:spPr>
+        <p:txBody>
+          <a:bodyPr wrap="square">
+            <a:spAutoFit/>
+          </a:bodyPr>
+          <a:lstStyle/>
+          <a:p>
+            <a:pPr algn="r"/>
+            <a:r>
+              <a:rPr lang="en-US" sz="1600" dirty="0">
+                <a:ln>
+                  <a:solidFill>
+                    <a:schemeClr val="bg1">
+                      <a:lumMod val="75000"/>
+                      <a:lumOff val="25000"/>
+                      <a:alpha val="10000"/>
+                    </a:schemeClr>
+                  </a:solidFill>
+                </a:ln>
+                <a:solidFill>
+                  <a:schemeClr val="accent6">
+                    <a:lumMod val="60000"/>
+                    <a:lumOff val="40000"/>
+                  </a:schemeClr>
+                </a:solidFill>
+                <a:latin typeface="-apple-system"/>
+                <a:cs typeface="Arial" panose="020B0604020202020204" pitchFamily="34" charset="0"/>
+                <a:hlinkClick r:id="rId2">
+                  <a:extLst>
+                    <a:ext uri="{A12FA001-AC4F-418D-AE19-62706E023703}">
+                      <ahyp:hlinkClr xmlns:ahyp="http://schemas.microsoft.com/office/drawing/2018/hyperlinkcolor" val="tx"/>
+                    </a:ext>
+                  </a:extLst>
+                </a:hlinkClick>
+              </a:rPr>
+              <a:t>https://github.com/danielHC94/Ultrasonic-Cyber-Communication-</a:t>
+            </a:r>
+            <a:endParaRPr lang="en-US" sz="1600" dirty="0">
+              <a:ln>
+                <a:solidFill>
+                  <a:schemeClr val="bg1">
+                    <a:lumMod val="75000"/>
+                    <a:lumOff val="25000"/>
+                    <a:alpha val="10000"/>
+                  </a:schemeClr>
+                </a:solidFill>
+              </a:ln>
+              <a:solidFill>
+                <a:schemeClr val="accent6">
+                  <a:lumMod val="60000"/>
+                  <a:lumOff val="40000"/>
+                </a:schemeClr>
+              </a:solidFill>
+              <a:latin typeface="-apple-system"/>
+              <a:cs typeface="Arial" panose="020B0604020202020204" pitchFamily="34" charset="0"/>
+            </a:endParaRPr>
+          </a:p>
+          <a:p>
+            <a:pPr algn="r"/>
+            <a:r>
+              <a:rPr lang="en-US" sz="1600" dirty="0">
+                <a:ln>
+                  <a:solidFill>
+                    <a:schemeClr val="bg1">
+                      <a:lumMod val="75000"/>
+                      <a:lumOff val="25000"/>
+                      <a:alpha val="10000"/>
+                    </a:schemeClr>
+                  </a:solidFill>
+                </a:ln>
+                <a:solidFill>
+                  <a:schemeClr val="accent6">
+                    <a:lumMod val="60000"/>
+                    <a:lumOff val="40000"/>
+                  </a:schemeClr>
+                </a:solidFill>
+                <a:latin typeface="-apple-system"/>
+                <a:cs typeface="Arial" panose="020B0604020202020204" pitchFamily="34" charset="0"/>
+              </a:rPr>
+              <a:t>(Private </a:t>
+            </a:r>
+            <a:r>
+              <a:rPr lang="en-US" sz="1600" i="0" dirty="0">
+                <a:solidFill>
+                  <a:schemeClr val="accent6">
+                    <a:lumMod val="60000"/>
+                    <a:lumOff val="40000"/>
+                  </a:schemeClr>
+                </a:solidFill>
+                <a:effectLst/>
+                <a:latin typeface="-apple-system"/>
+              </a:rPr>
+              <a:t>repository)</a:t>
+            </a:r>
+          </a:p>
+          <a:p>
             <a:endParaRPr lang="he-IL" b="1" dirty="0">
               <a:ln>
                 <a:solidFill>
@@ -9641,7 +9791,7 @@
           <a:p>
             <a:r>
               <a:rPr lang="en-US" dirty="0"/>
-              <a:t>A brief explanation of the code</a:t>
+              <a:t>Code brief</a:t>
             </a:r>
             <a:endParaRPr lang="he-IL" dirty="0"/>
           </a:p>
@@ -9864,134 +10014,6 @@
           <p:cNvPr id="2" name="כותרת 1">
             <a:extLst>
               <a:ext uri="{FF2B5EF4-FFF2-40B4-BE49-F238E27FC236}">
-                <a16:creationId xmlns:a16="http://schemas.microsoft.com/office/drawing/2014/main" id="{295BD3D5-8841-4113-8D44-3FFB7255BCB8}"/>
-              </a:ext>
-            </a:extLst>
-          </p:cNvPr>
-          <p:cNvSpPr>
-            <a:spLocks noGrp="1"/>
-          </p:cNvSpPr>
-          <p:nvPr>
-            <p:ph type="title"/>
-          </p:nvPr>
-        </p:nvSpPr>
-        <p:spPr/>
-        <p:txBody>
-          <a:bodyPr/>
-          <a:lstStyle/>
-          <a:p>
-            <a:r>
-              <a:rPr lang="en-US" dirty="0"/>
-              <a:t>A brief explanation of the code</a:t>
-            </a:r>
-            <a:endParaRPr lang="he-IL" dirty="0"/>
-          </a:p>
-        </p:txBody>
-      </p:sp>
-      <p:sp>
-        <p:nvSpPr>
-          <p:cNvPr id="19" name="מציין מיקום תוכן 18">
-            <a:extLst>
-              <a:ext uri="{FF2B5EF4-FFF2-40B4-BE49-F238E27FC236}">
-                <a16:creationId xmlns:a16="http://schemas.microsoft.com/office/drawing/2014/main" id="{D34D5B75-21EA-4391-8979-D26E3DC5FC4F}"/>
-              </a:ext>
-            </a:extLst>
-          </p:cNvPr>
-          <p:cNvSpPr>
-            <a:spLocks noGrp="1"/>
-          </p:cNvSpPr>
-          <p:nvPr>
-            <p:ph sz="half" idx="2"/>
-          </p:nvPr>
-        </p:nvSpPr>
-        <p:spPr/>
-        <p:txBody>
-          <a:bodyPr>
-            <a:normAutofit/>
-          </a:bodyPr>
-          <a:lstStyle/>
-          <a:p>
-            <a:pPr lvl="1"/>
-            <a:r>
-              <a:rPr lang="he-IL" dirty="0"/>
-              <a:t>הורדת הפרויקט והקוד:</a:t>
-            </a:r>
-          </a:p>
-          <a:p>
-            <a:pPr lvl="1"/>
-            <a:endParaRPr lang="he-IL" dirty="0"/>
-          </a:p>
-          <a:p>
-            <a:pPr lvl="1"/>
-            <a:endParaRPr lang="en-US" dirty="0"/>
-          </a:p>
-        </p:txBody>
-      </p:sp>
-      <p:pic>
-        <p:nvPicPr>
-          <p:cNvPr id="4" name="תמונה 3">
-            <a:extLst>
-              <a:ext uri="{FF2B5EF4-FFF2-40B4-BE49-F238E27FC236}">
-                <a16:creationId xmlns:a16="http://schemas.microsoft.com/office/drawing/2014/main" id="{BA0B9F36-2E29-4F79-B456-698507A5A29B}"/>
-              </a:ext>
-            </a:extLst>
-          </p:cNvPr>
-          <p:cNvPicPr>
-            <a:picLocks noChangeAspect="1"/>
-          </p:cNvPicPr>
-          <p:nvPr/>
-        </p:nvPicPr>
-        <p:blipFill>
-          <a:blip r:embed="rId2"/>
-          <a:stretch>
-            <a:fillRect/>
-          </a:stretch>
-        </p:blipFill>
-        <p:spPr>
-          <a:xfrm>
-            <a:off x="1709750" y="1580050"/>
-            <a:ext cx="3801005" cy="4563112"/>
-          </a:xfrm>
-          <a:prstGeom prst="rect">
-            <a:avLst/>
-          </a:prstGeom>
-        </p:spPr>
-      </p:pic>
-    </p:spTree>
-    <p:extLst>
-      <p:ext uri="{BB962C8B-B14F-4D97-AF65-F5344CB8AC3E}">
-        <p14:creationId xmlns:p14="http://schemas.microsoft.com/office/powerpoint/2010/main" val="31090511"/>
-      </p:ext>
-    </p:extLst>
-  </p:cSld>
-  <p:clrMapOvr>
-    <a:masterClrMapping/>
-  </p:clrMapOvr>
-</p:sld>
-</file>
-
-<file path=ppt/slides/slide12.xml><?xml version="1.0" encoding="utf-8"?>
-<p:sld xmlns:a="http://schemas.openxmlformats.org/drawingml/2006/main" xmlns:r="http://schemas.openxmlformats.org/officeDocument/2006/relationships" xmlns:p="http://schemas.openxmlformats.org/presentationml/2006/main">
-  <p:cSld>
-    <p:spTree>
-      <p:nvGrpSpPr>
-        <p:cNvPr id="1" name=""/>
-        <p:cNvGrpSpPr/>
-        <p:nvPr/>
-      </p:nvGrpSpPr>
-      <p:grpSpPr>
-        <a:xfrm>
-          <a:off x="0" y="0"/>
-          <a:ext cx="0" cy="0"/>
-          <a:chOff x="0" y="0"/>
-          <a:chExt cx="0" cy="0"/>
-        </a:xfrm>
-      </p:grpSpPr>
-      <p:sp>
-        <p:nvSpPr>
-          <p:cNvPr id="2" name="כותרת 1">
-            <a:extLst>
-              <a:ext uri="{FF2B5EF4-FFF2-40B4-BE49-F238E27FC236}">
                 <a16:creationId xmlns:a16="http://schemas.microsoft.com/office/drawing/2014/main" id="{312E0E3E-BF23-4637-B36D-A7D6EACA2847}"/>
               </a:ext>
             </a:extLst>
@@ -11916,7 +11938,7 @@
           <a:p>
             <a:r>
               <a:rPr lang="en-US" dirty="0"/>
-              <a:t>A brief explanation of the code</a:t>
+              <a:t>Code brief</a:t>
             </a:r>
             <a:endParaRPr lang="he-IL" dirty="0"/>
           </a:p>
@@ -12223,7 +12245,7 @@
           <a:p>
             <a:r>
               <a:rPr lang="en-US" dirty="0"/>
-              <a:t>A brief explanation of the code</a:t>
+              <a:t>Code brief</a:t>
             </a:r>
             <a:endParaRPr lang="he-IL" dirty="0"/>
           </a:p>
@@ -12442,7 +12464,7 @@
           <a:p>
             <a:r>
               <a:rPr lang="en-US" dirty="0"/>
-              <a:t>A brief explanation of the code</a:t>
+              <a:t>Code brief</a:t>
             </a:r>
             <a:endParaRPr lang="he-IL" dirty="0"/>
           </a:p>
@@ -12604,7 +12626,7 @@
           <a:p>
             <a:r>
               <a:rPr lang="en-US" dirty="0"/>
-              <a:t>A brief explanation of the code</a:t>
+              <a:t>Code brief</a:t>
             </a:r>
             <a:endParaRPr lang="he-IL" dirty="0"/>
           </a:p>
